--- a/Inteligencia Artificial en la Web con React y TensorFlow.js.pptx
+++ b/Inteligencia Artificial en la Web con React y TensorFlow.js.pptx
@@ -4,6 +4,9 @@
   <p:sldMasterIdLst>
     <p:sldMasterId id="2147483648" r:id="rId1"/>
   </p:sldMasterIdLst>
+  <p:notesMasterIdLst>
+    <p:notesMasterId r:id="rId14"/>
+  </p:notesMasterIdLst>
   <p:sldIdLst>
     <p:sldId id="256" r:id="rId2"/>
     <p:sldId id="257" r:id="rId3"/>
@@ -18,17 +21,121 @@
     <p:sldId id="266" r:id="rId12"/>
     <p:sldId id="267" r:id="rId13"/>
   </p:sldIdLst>
-  <p:notesMasterIdLst>
-    <p:notesMasterId r:id="rId14"/>
-  </p:notesMasterIdLst>
   <p:sldSz cx="12192000" cy="6858000"/>
   <p:notesSz cx="6858000" cy="12192000"/>
   <p:embeddedFontLst>
     <p:embeddedFont>
-      <p:font typeface="Liter" charset="-122" pitchFamily="34"/>
+      <p:font typeface="Calibri" panose="020F0502020204030204" pitchFamily="34" charset="0"/>
+      <p:regular r:id="rId15"/>
+      <p:bold r:id="rId16"/>
+      <p:italic r:id="rId17"/>
+      <p:boldItalic r:id="rId18"/>
+    </p:embeddedFont>
+    <p:embeddedFont>
+      <p:font typeface="Liter" panose="020B0604020202020204" charset="0"/>
       <p:regular r:id="rId19"/>
     </p:embeddedFont>
   </p:embeddedFontLst>
+  <p:defaultTextStyle>
+    <a:defPPr>
+      <a:defRPr lang="es-ES"/>
+    </a:defPPr>
+    <a:lvl1pPr marL="0" algn="l" defTabSz="914400" rtl="0" eaLnBrk="1" latinLnBrk="0" hangingPunct="1">
+      <a:defRPr sz="1800" kern="1200">
+        <a:solidFill>
+          <a:schemeClr val="tx1"/>
+        </a:solidFill>
+        <a:latin typeface="+mn-lt"/>
+        <a:ea typeface="+mn-ea"/>
+        <a:cs typeface="+mn-cs"/>
+      </a:defRPr>
+    </a:lvl1pPr>
+    <a:lvl2pPr marL="457200" algn="l" defTabSz="914400" rtl="0" eaLnBrk="1" latinLnBrk="0" hangingPunct="1">
+      <a:defRPr sz="1800" kern="1200">
+        <a:solidFill>
+          <a:schemeClr val="tx1"/>
+        </a:solidFill>
+        <a:latin typeface="+mn-lt"/>
+        <a:ea typeface="+mn-ea"/>
+        <a:cs typeface="+mn-cs"/>
+      </a:defRPr>
+    </a:lvl2pPr>
+    <a:lvl3pPr marL="914400" algn="l" defTabSz="914400" rtl="0" eaLnBrk="1" latinLnBrk="0" hangingPunct="1">
+      <a:defRPr sz="1800" kern="1200">
+        <a:solidFill>
+          <a:schemeClr val="tx1"/>
+        </a:solidFill>
+        <a:latin typeface="+mn-lt"/>
+        <a:ea typeface="+mn-ea"/>
+        <a:cs typeface="+mn-cs"/>
+      </a:defRPr>
+    </a:lvl3pPr>
+    <a:lvl4pPr marL="1371600" algn="l" defTabSz="914400" rtl="0" eaLnBrk="1" latinLnBrk="0" hangingPunct="1">
+      <a:defRPr sz="1800" kern="1200">
+        <a:solidFill>
+          <a:schemeClr val="tx1"/>
+        </a:solidFill>
+        <a:latin typeface="+mn-lt"/>
+        <a:ea typeface="+mn-ea"/>
+        <a:cs typeface="+mn-cs"/>
+      </a:defRPr>
+    </a:lvl4pPr>
+    <a:lvl5pPr marL="1828800" algn="l" defTabSz="914400" rtl="0" eaLnBrk="1" latinLnBrk="0" hangingPunct="1">
+      <a:defRPr sz="1800" kern="1200">
+        <a:solidFill>
+          <a:schemeClr val="tx1"/>
+        </a:solidFill>
+        <a:latin typeface="+mn-lt"/>
+        <a:ea typeface="+mn-ea"/>
+        <a:cs typeface="+mn-cs"/>
+      </a:defRPr>
+    </a:lvl5pPr>
+    <a:lvl6pPr marL="2286000" algn="l" defTabSz="914400" rtl="0" eaLnBrk="1" latinLnBrk="0" hangingPunct="1">
+      <a:defRPr sz="1800" kern="1200">
+        <a:solidFill>
+          <a:schemeClr val="tx1"/>
+        </a:solidFill>
+        <a:latin typeface="+mn-lt"/>
+        <a:ea typeface="+mn-ea"/>
+        <a:cs typeface="+mn-cs"/>
+      </a:defRPr>
+    </a:lvl6pPr>
+    <a:lvl7pPr marL="2743200" algn="l" defTabSz="914400" rtl="0" eaLnBrk="1" latinLnBrk="0" hangingPunct="1">
+      <a:defRPr sz="1800" kern="1200">
+        <a:solidFill>
+          <a:schemeClr val="tx1"/>
+        </a:solidFill>
+        <a:latin typeface="+mn-lt"/>
+        <a:ea typeface="+mn-ea"/>
+        <a:cs typeface="+mn-cs"/>
+      </a:defRPr>
+    </a:lvl7pPr>
+    <a:lvl8pPr marL="3200400" algn="l" defTabSz="914400" rtl="0" eaLnBrk="1" latinLnBrk="0" hangingPunct="1">
+      <a:defRPr sz="1800" kern="1200">
+        <a:solidFill>
+          <a:schemeClr val="tx1"/>
+        </a:solidFill>
+        <a:latin typeface="+mn-lt"/>
+        <a:ea typeface="+mn-ea"/>
+        <a:cs typeface="+mn-cs"/>
+      </a:defRPr>
+    </a:lvl8pPr>
+    <a:lvl9pPr marL="3657600" algn="l" defTabSz="914400" rtl="0" eaLnBrk="1" latinLnBrk="0" hangingPunct="1">
+      <a:defRPr sz="1800" kern="1200">
+        <a:solidFill>
+          <a:schemeClr val="tx1"/>
+        </a:solidFill>
+        <a:latin typeface="+mn-lt"/>
+        <a:ea typeface="+mn-ea"/>
+        <a:cs typeface="+mn-cs"/>
+      </a:defRPr>
+    </a:lvl9pPr>
+  </p:defaultTextStyle>
+  <p:extLst>
+    <p:ext uri="{EFAFB233-063F-42B5-8137-9DF3F51BA10A}">
+      <p15:sldGuideLst xmlns:p15="http://schemas.microsoft.com/office/powerpoint/2012/main"/>
+    </p:ext>
+  </p:extLst>
 </p:presentation>
 </file>
 
@@ -54,234 +161,10 @@
           <a:chExt cx="0" cy="0"/>
         </a:xfrm>
       </p:grpSpPr>
-      <p:sp>
-        <p:nvSpPr>
-          <p:cNvPr id="2" name="Header Placeholder 1"/>
-          <p:cNvSpPr>
-            <a:spLocks noGrp="1"/>
-          </p:cNvSpPr>
-          <p:nvPr>
-            <p:ph type="hdr" sz="quarter"/>
-          </p:nvPr>
-        </p:nvSpPr>
-        <p:spPr>
-          <a:xfrm>
-            <a:off x="0" y="0"/>
-            <a:ext cx="2971800" cy="458788"/>
-          </a:xfrm>
-          <a:prstGeom prst="rect">
-            <a:avLst/>
-          </a:prstGeom>
-        </p:spPr>
-        <p:txBody>
-          <a:bodyPr vert="horz" lIns="91440" tIns="45720" rIns="91440" bIns="45720" rtlCol="0"/>
-          <a:lstStyle>
-            <a:lvl1pPr algn="l">
-              <a:defRPr sz="1200"/>
-            </a:lvl1pPr>
-          </a:lstStyle>
-          <a:p>
-            <a:endParaRPr lang="en-US"/>
-          </a:p>
-        </p:txBody>
-      </p:sp>
-      <p:sp>
-        <p:nvSpPr>
-          <p:cNvPr id="3" name="Date Placeholder 2"/>
-          <p:cNvSpPr>
-            <a:spLocks noGrp="1"/>
-          </p:cNvSpPr>
-          <p:nvPr>
-            <p:ph type="dt" idx="1"/>
-          </p:nvPr>
-        </p:nvSpPr>
-        <p:spPr>
-          <a:xfrm>
-            <a:off x="3884613" y="0"/>
-            <a:ext cx="2971800" cy="458788"/>
-          </a:xfrm>
-          <a:prstGeom prst="rect">
-            <a:avLst/>
-          </a:prstGeom>
-        </p:spPr>
-        <p:txBody>
-          <a:bodyPr vert="horz" lIns="91440" tIns="45720" rIns="91440" bIns="45720" rtlCol="0"/>
-          <a:lstStyle>
-            <a:lvl1pPr algn="r">
-              <a:defRPr sz="1200"/>
-            </a:lvl1pPr>
-          </a:lstStyle>
-          <a:p>
-            <a:fld id="{5282F153-3F37-0F45-9E97-73ACFA13230C}" type="datetimeFigureOut">
-              <a:rPr lang="en-US"/>
-              <a:t>7/23/19</a:t>
-            </a:fld>
-            <a:endParaRPr lang="en-US"/>
-          </a:p>
-        </p:txBody>
-      </p:sp>
-      <p:sp>
-        <p:nvSpPr>
-          <p:cNvPr id="4" name="Slide Image Placeholder 3"/>
-          <p:cNvSpPr>
-            <a:spLocks noGrp="1" noRot="1" noChangeAspect="1"/>
-          </p:cNvSpPr>
-          <p:nvPr>
-            <p:ph type="sldImg" idx="2"/>
-          </p:nvPr>
-        </p:nvSpPr>
-        <p:spPr>
-          <a:xfrm>
-            <a:off x="685800" y="1143000"/>
-            <a:ext cx="5486400" cy="3086100"/>
-          </a:xfrm>
-          <a:prstGeom prst="rect">
-            <a:avLst/>
-          </a:prstGeom>
-          <a:noFill/>
-          <a:ln w="12700">
-            <a:solidFill>
-              <a:prstClr val="black"/>
-            </a:solidFill>
-          </a:ln>
-        </p:spPr>
-        <p:txBody>
-          <a:bodyPr vert="horz" lIns="91440" tIns="45720" rIns="91440" bIns="45720" rtlCol="0" anchor="ctr"/>
-          <a:lstStyle/>
-          <a:p>
-            <a:endParaRPr lang="en-US"/>
-          </a:p>
-        </p:txBody>
-      </p:sp>
-      <p:sp>
-        <p:nvSpPr>
-          <p:cNvPr id="5" name="Notes Placeholder 4"/>
-          <p:cNvSpPr>
-            <a:spLocks noGrp="1"/>
-          </p:cNvSpPr>
-          <p:nvPr>
-            <p:ph type="body" sz="quarter" idx="3"/>
-          </p:nvPr>
-        </p:nvSpPr>
-        <p:spPr>
-          <a:xfrm>
-            <a:off x="685800" y="4400550"/>
-            <a:ext cx="5486400" cy="3600450"/>
-          </a:xfrm>
-          <a:prstGeom prst="rect">
-            <a:avLst/>
-          </a:prstGeom>
-        </p:spPr>
-        <p:txBody>
-          <a:bodyPr vert="horz" lIns="91440" tIns="45720" rIns="91440" bIns="45720" rtlCol="0"/>
-          <a:lstStyle/>
-          <a:p>
-            <a:pPr lvl="0"/>
-            <a:r>
-              <a:rPr lang="en-US"/>
-              <a:t>Click to edit Master text styles</a:t>
-            </a:r>
-          </a:p>
-          <a:p>
-            <a:pPr lvl="1"/>
-            <a:r>
-              <a:rPr lang="en-US"/>
-              <a:t>Second level</a:t>
-            </a:r>
-          </a:p>
-          <a:p>
-            <a:pPr lvl="2"/>
-            <a:r>
-              <a:rPr lang="en-US"/>
-              <a:t>Third level</a:t>
-            </a:r>
-          </a:p>
-          <a:p>
-            <a:pPr lvl="3"/>
-            <a:r>
-              <a:rPr lang="en-US"/>
-              <a:t>Fourth level</a:t>
-            </a:r>
-          </a:p>
-          <a:p>
-            <a:pPr lvl="4"/>
-            <a:r>
-              <a:rPr lang="en-US"/>
-              <a:t>Fifth level</a:t>
-            </a:r>
-          </a:p>
-        </p:txBody>
-      </p:sp>
-      <p:sp>
-        <p:nvSpPr>
-          <p:cNvPr id="6" name="Footer Placeholder 5"/>
-          <p:cNvSpPr>
-            <a:spLocks noGrp="1"/>
-          </p:cNvSpPr>
-          <p:nvPr>
-            <p:ph type="ftr" sz="quarter" idx="4"/>
-          </p:nvPr>
-        </p:nvSpPr>
-        <p:spPr>
-          <a:xfrm>
-            <a:off x="0" y="8685213"/>
-            <a:ext cx="2971800" cy="458787"/>
-          </a:xfrm>
-          <a:prstGeom prst="rect">
-            <a:avLst/>
-          </a:prstGeom>
-        </p:spPr>
-        <p:txBody>
-          <a:bodyPr vert="horz" lIns="91440" tIns="45720" rIns="91440" bIns="45720" rtlCol="0" anchor="b"/>
-          <a:lstStyle>
-            <a:lvl1pPr algn="l">
-              <a:defRPr sz="1200"/>
-            </a:lvl1pPr>
-          </a:lstStyle>
-          <a:p>
-            <a:endParaRPr lang="en-US"/>
-          </a:p>
-        </p:txBody>
-      </p:sp>
-      <p:sp>
-        <p:nvSpPr>
-          <p:cNvPr id="7" name="Slide Number Placeholder 6"/>
-          <p:cNvSpPr>
-            <a:spLocks noGrp="1"/>
-          </p:cNvSpPr>
-          <p:nvPr>
-            <p:ph type="sldNum" sz="quarter" idx="5"/>
-          </p:nvPr>
-        </p:nvSpPr>
-        <p:spPr>
-          <a:xfrm>
-            <a:off x="3884613" y="8685213"/>
-            <a:ext cx="2971800" cy="458787"/>
-          </a:xfrm>
-          <a:prstGeom prst="rect">
-            <a:avLst/>
-          </a:prstGeom>
-        </p:spPr>
-        <p:txBody>
-          <a:bodyPr vert="horz" lIns="91440" tIns="45720" rIns="91440" bIns="45720" rtlCol="0" anchor="b"/>
-          <a:lstStyle>
-            <a:lvl1pPr algn="r">
-              <a:defRPr sz="1200"/>
-            </a:lvl1pPr>
-          </a:lstStyle>
-          <a:p>
-            <a:fld id="{CE5E9CC1-C706-0F49-92D6-E571CC5EEA8F}" type="slidenum">
-              <a:rPr lang="en-US"/>
-              <a:t>‹#›</a:t>
-            </a:fld>
-            <a:endParaRPr lang="en-US"/>
-          </a:p>
-        </p:txBody>
-      </p:sp>
     </p:spTree>
     <p:extLst>
       <p:ext uri="{BB962C8B-B14F-4D97-AF65-F5344CB8AC3E}">
-        <p14:creationId xmlns:p14="http://schemas.microsoft.com/office/powerpoint/2010/main" val="1024086991"/>
+        <p14:creationId xmlns:p14="http://schemas.microsoft.com/office/powerpoint/2010/main" val="2308126058"/>
       </p:ext>
     </p:extLst>
   </p:cSld>
@@ -425,10 +308,6 @@
           <a:bodyPr/>
           <a:lstStyle/>
           <a:p>
-            <a:r>
-              <a:rPr lang="en-US" dirty="0"/>
-              <a:t/>
-            </a:r>
             <a:endParaRPr lang="en-US" dirty="0"/>
           </a:p>
         </p:txBody>
@@ -513,10 +392,6 @@
           <a:bodyPr/>
           <a:lstStyle/>
           <a:p>
-            <a:r>
-              <a:rPr lang="en-US" dirty="0"/>
-              <a:t/>
-            </a:r>
             <a:endParaRPr lang="en-US" dirty="0"/>
           </a:p>
         </p:txBody>
@@ -601,10 +476,6 @@
           <a:bodyPr/>
           <a:lstStyle/>
           <a:p>
-            <a:r>
-              <a:rPr lang="en-US" dirty="0"/>
-              <a:t/>
-            </a:r>
             <a:endParaRPr lang="en-US" dirty="0"/>
           </a:p>
         </p:txBody>
@@ -689,10 +560,6 @@
           <a:bodyPr/>
           <a:lstStyle/>
           <a:p>
-            <a:r>
-              <a:rPr lang="en-US" dirty="0"/>
-              <a:t/>
-            </a:r>
             <a:endParaRPr lang="en-US" dirty="0"/>
           </a:p>
         </p:txBody>
@@ -777,10 +644,6 @@
           <a:bodyPr/>
           <a:lstStyle/>
           <a:p>
-            <a:r>
-              <a:rPr lang="en-US" dirty="0"/>
-              <a:t/>
-            </a:r>
             <a:endParaRPr lang="en-US" dirty="0"/>
           </a:p>
         </p:txBody>
@@ -865,10 +728,6 @@
           <a:bodyPr/>
           <a:lstStyle/>
           <a:p>
-            <a:r>
-              <a:rPr lang="en-US" dirty="0"/>
-              <a:t/>
-            </a:r>
             <a:endParaRPr lang="en-US" dirty="0"/>
           </a:p>
         </p:txBody>
@@ -953,10 +812,6 @@
           <a:bodyPr/>
           <a:lstStyle/>
           <a:p>
-            <a:r>
-              <a:rPr lang="en-US" dirty="0"/>
-              <a:t/>
-            </a:r>
             <a:endParaRPr lang="en-US" dirty="0"/>
           </a:p>
         </p:txBody>
@@ -1041,10 +896,6 @@
           <a:bodyPr/>
           <a:lstStyle/>
           <a:p>
-            <a:r>
-              <a:rPr lang="en-US" dirty="0"/>
-              <a:t/>
-            </a:r>
             <a:endParaRPr lang="en-US" dirty="0"/>
           </a:p>
         </p:txBody>
@@ -1129,10 +980,6 @@
           <a:bodyPr/>
           <a:lstStyle/>
           <a:p>
-            <a:r>
-              <a:rPr lang="en-US" dirty="0"/>
-              <a:t/>
-            </a:r>
             <a:endParaRPr lang="en-US" dirty="0"/>
           </a:p>
         </p:txBody>
@@ -1217,10 +1064,6 @@
           <a:bodyPr/>
           <a:lstStyle/>
           <a:p>
-            <a:r>
-              <a:rPr lang="en-US" dirty="0"/>
-              <a:t/>
-            </a:r>
             <a:endParaRPr lang="en-US" dirty="0"/>
           </a:p>
         </p:txBody>
@@ -1305,10 +1148,6 @@
           <a:bodyPr/>
           <a:lstStyle/>
           <a:p>
-            <a:r>
-              <a:rPr lang="en-US" dirty="0"/>
-              <a:t/>
-            </a:r>
             <a:endParaRPr lang="en-US" dirty="0"/>
           </a:p>
         </p:txBody>
@@ -1393,10 +1232,6 @@
           <a:bodyPr/>
           <a:lstStyle/>
           <a:p>
-            <a:r>
-              <a:rPr lang="en-US" dirty="0"/>
-              <a:t/>
-            </a:r>
             <a:endParaRPr lang="en-US" dirty="0"/>
           </a:p>
         </p:txBody>
@@ -1475,6 +1310,7 @@
         <a:solidFill>
           <a:srgbClr val="FFFFFF"/>
         </a:solidFill>
+        <a:effectLst/>
       </p:bgPr>
     </p:bg>
     <p:spTree>
@@ -1502,6 +1338,11 @@
 <file path=ppt/slideMasters/slideMaster1.xml><?xml version="1.0" encoding="utf-8"?>
 <p:sldMaster xmlns:a="http://schemas.openxmlformats.org/drawingml/2006/main" xmlns:r="http://schemas.openxmlformats.org/officeDocument/2006/relationships" xmlns:p="http://schemas.openxmlformats.org/presentationml/2006/main">
   <p:cSld>
+    <p:bg>
+      <p:bgRef idx="1001">
+        <a:schemeClr val="bg1"/>
+      </p:bgRef>
+    </p:bg>
     <p:spTree>
       <p:nvGrpSpPr>
         <p:cNvPr id="1" name=""/>
@@ -1785,6 +1626,7 @@
         <a:solidFill>
           <a:srgbClr val="FAF9F6"/>
         </a:solidFill>
+        <a:effectLst/>
       </p:bgPr>
     </p:bg>
     <p:spTree>
@@ -1803,23 +1645,23 @@
       </p:grpSpPr>
       <p:pic>
         <p:nvPicPr>
-          <p:cNvPr id="2" name="Image 0" descr="https://kimi-web-img.moonshot.cn/img/thumbs.dreamstime.com/0ebf47f4b8b23af75fa32e9035761df23c67af30.jpg">    </p:cNvPr>
+          <p:cNvPr id="2" name="Image 0" descr="https://kimi-web-img.moonshot.cn/img/thumbs.dreamstime.com/0ebf47f4b8b23af75fa32e9035761df23c67af30.jpg"/>
           <p:cNvPicPr>
             <a:picLocks noChangeAspect="1"/>
           </p:cNvPicPr>
           <p:nvPr/>
         </p:nvPicPr>
         <p:blipFill>
-          <a:blip r:embed="rId1">
+          <a:blip r:embed="rId3">
             <a:alphaModFix amt="6000"/>
           </a:blip>
-          <a:srcRect l="0" r="0" t="7786" b="7786"/>
+          <a:srcRect t="7786" b="7786"/>
           <a:stretch/>
         </p:blipFill>
         <p:spPr>
           <a:xfrm>
-            <a:off x="0" y="0"/>
-            <a:ext cx="12192000" cy="6858000"/>
+            <a:off x="-1" y="-32442"/>
+            <a:ext cx="12393109" cy="6971124"/>
           </a:xfrm>
           <a:prstGeom prst="roundRect">
             <a:avLst>
@@ -1899,7 +1741,7 @@
               </a:lnSpc>
             </a:pPr>
             <a:r>
-              <a:rPr lang="en-US" sz="1200" spc="420" kern="0" dirty="0">
+              <a:rPr lang="en-US" sz="1200" kern="0" spc="420" dirty="0">
                 <a:solidFill>
                   <a:srgbClr val="8B8680"/>
                 </a:solidFill>
@@ -2122,17 +1964,6 @@
                 <a:spcPct val="120000"/>
               </a:lnSpc>
             </a:pPr>
-            <a:r>
-              <a:rPr lang="en-US" sz="1050" spc="53" kern="0" dirty="0">
-                <a:solidFill>
-                  <a:srgbClr val="A8A29E"/>
-                </a:solidFill>
-                <a:latin typeface="Liter" pitchFamily="34" charset="0"/>
-                <a:ea typeface="Liter" pitchFamily="34" charset="-122"/>
-                <a:cs typeface="Liter" pitchFamily="34" charset="-120"/>
-              </a:rPr>
-              <a:t>2025</a:t>
-            </a:r>
             <a:endParaRPr lang="en-US" sz="1600" dirty="0"/>
           </a:p>
         </p:txBody>
@@ -2144,7 +1975,6 @@
   </p:clrMapOvr>
   <p:transition>
     <p:fade/>
-    <p:spd val="med"/>
   </p:transition>
 </p:sld>
 </file>
@@ -2157,6 +1987,7 @@
         <a:solidFill>
           <a:srgbClr val="FAF9F6"/>
         </a:solidFill>
+        <a:effectLst/>
       </p:bgPr>
     </p:bg>
     <p:spTree>
@@ -2244,7 +2075,7 @@
               </a:lnSpc>
             </a:pPr>
             <a:r>
-              <a:rPr lang="en-US" sz="982" spc="295" kern="0" dirty="0">
+              <a:rPr lang="en-US" sz="982" kern="0" spc="295" dirty="0">
                 <a:solidFill>
                   <a:srgbClr val="8B8680"/>
                 </a:solidFill>
@@ -2440,11 +2271,6 @@
               </a:rPr>
               <a:t>Es el </a:t>
             </a:r>
-            <a:pPr>
-              <a:lnSpc>
-                <a:spcPct val="140000"/>
-              </a:lnSpc>
-            </a:pPr>
             <a:r>
               <a:rPr lang="en-US" sz="1122" b="1" dirty="0">
                 <a:solidFill>
@@ -2456,11 +2282,6 @@
               </a:rPr>
               <a:t>estándar de facto del front-end web moderno</a:t>
             </a:r>
-            <a:pPr>
-              <a:lnSpc>
-                <a:spcPct val="140000"/>
-              </a:lnSpc>
-            </a:pPr>
             <a:r>
               <a:rPr lang="en-US" sz="1122" dirty="0">
                 <a:solidFill>
@@ -2762,11 +2583,6 @@
               </a:rPr>
               <a:t>Herramienta clave de </a:t>
             </a:r>
-            <a:pPr>
-              <a:lnSpc>
-                <a:spcPct val="140000"/>
-              </a:lnSpc>
-            </a:pPr>
             <a:r>
               <a:rPr lang="en-US" sz="1122" b="1" dirty="0">
                 <a:solidFill>
@@ -2778,11 +2594,6 @@
               </a:rPr>
               <a:t>Machine Learning y Deep Learning</a:t>
             </a:r>
-            <a:pPr>
-              <a:lnSpc>
-                <a:spcPct val="140000"/>
-              </a:lnSpc>
-            </a:pPr>
             <a:r>
               <a:rPr lang="en-US" sz="1122" dirty="0">
                 <a:solidFill>
@@ -3951,7 +3762,7 @@
         </p:nvSpPr>
         <p:spPr>
           <a:xfrm>
-            <a:off x="356231" y="6763598"/>
+            <a:off x="314262" y="6619915"/>
             <a:ext cx="11550785" cy="213738"/>
           </a:xfrm>
           <a:prstGeom prst="rect">
@@ -3980,11 +3791,6 @@
               </a:rPr>
               <a:t>Tecnologías emergentes:</a:t>
             </a:r>
-            <a:pPr>
-              <a:lnSpc>
-                <a:spcPct val="130000"/>
-              </a:lnSpc>
-            </a:pPr>
             <a:r>
               <a:rPr lang="en-US" sz="1122" dirty="0">
                 <a:solidFill>
@@ -4007,7 +3813,6 @@
   </p:clrMapOvr>
   <p:transition>
     <p:fade/>
-    <p:spd val="med"/>
   </p:transition>
 </p:sld>
 </file>
@@ -4020,6 +3825,7 @@
         <a:solidFill>
           <a:srgbClr val="FAF9F6"/>
         </a:solidFill>
+        <a:effectLst/>
       </p:bgPr>
     </p:bg>
     <p:spTree>
@@ -4038,17 +3844,17 @@
       </p:grpSpPr>
       <p:pic>
         <p:nvPicPr>
-          <p:cNvPr id="2" name="Image 0" descr="https://kimi-web-img.moonshot.cn/img/miro.medium.com/a6c87531ce96e9e6e1af81faf558c1f10c524312">    </p:cNvPr>
+          <p:cNvPr id="2" name="Image 0" descr="https://kimi-web-img.moonshot.cn/img/miro.medium.com/a6c87531ce96e9e6e1af81faf558c1f10c524312"/>
           <p:cNvPicPr>
             <a:picLocks noChangeAspect="1"/>
           </p:cNvPicPr>
           <p:nvPr/>
         </p:nvPicPr>
         <p:blipFill>
-          <a:blip r:embed="rId1">
+          <a:blip r:embed="rId3">
             <a:alphaModFix amt="5000"/>
           </a:blip>
-          <a:srcRect l="26457" r="26457" t="0" b="0"/>
+          <a:srcRect l="26457" r="26457"/>
           <a:stretch/>
         </p:blipFill>
         <p:spPr>
@@ -4134,7 +3940,7 @@
               </a:lnSpc>
             </a:pPr>
             <a:r>
-              <a:rPr lang="en-US" sz="1050" spc="315" kern="0" dirty="0">
+              <a:rPr lang="en-US" sz="1050" kern="0" spc="315" dirty="0">
                 <a:solidFill>
                   <a:srgbClr val="8B8680"/>
                 </a:solidFill>
@@ -4330,11 +4136,6 @@
               </a:rPr>
               <a:t>Seguirá siendo el estándar para crear </a:t>
             </a:r>
-            <a:pPr>
-              <a:lnSpc>
-                <a:spcPct val="140000"/>
-              </a:lnSpc>
-            </a:pPr>
             <a:r>
               <a:rPr lang="en-US" sz="1200" b="1" dirty="0">
                 <a:solidFill>
@@ -4346,11 +4147,6 @@
               </a:rPr>
               <a:t>interfaces digitales modernas</a:t>
             </a:r>
-            <a:pPr>
-              <a:lnSpc>
-                <a:spcPct val="140000"/>
-              </a:lnSpc>
-            </a:pPr>
             <a:r>
               <a:rPr lang="en-US" sz="1200" dirty="0">
                 <a:solidFill>
@@ -4488,11 +4284,6 @@
               </a:rPr>
               <a:t>Continuará impulsando la </a:t>
             </a:r>
-            <a:pPr>
-              <a:lnSpc>
-                <a:spcPct val="140000"/>
-              </a:lnSpc>
-            </a:pPr>
             <a:r>
               <a:rPr lang="en-US" sz="1200" b="1" dirty="0">
                 <a:solidFill>
@@ -4504,11 +4295,6 @@
               </a:rPr>
               <a:t>inteligencia artificial en producción</a:t>
             </a:r>
-            <a:pPr>
-              <a:lnSpc>
-                <a:spcPct val="140000"/>
-              </a:lnSpc>
-            </a:pPr>
             <a:r>
               <a:rPr lang="en-US" sz="1200" dirty="0">
                 <a:solidFill>
@@ -4646,11 +4432,6 @@
               </a:rPr>
               <a:t>Representa el futuro de la </a:t>
             </a:r>
-            <a:pPr>
-              <a:lnSpc>
-                <a:spcPct val="140000"/>
-              </a:lnSpc>
-            </a:pPr>
             <a:r>
               <a:rPr lang="en-US" sz="1200" b="1" dirty="0">
                 <a:solidFill>
@@ -4662,11 +4443,6 @@
               </a:rPr>
               <a:t>web inteligente</a:t>
             </a:r>
-            <a:pPr>
-              <a:lnSpc>
-                <a:spcPct val="140000"/>
-              </a:lnSpc>
-            </a:pPr>
             <a:r>
               <a:rPr lang="en-US" sz="1200" dirty="0">
                 <a:solidFill>
@@ -4891,11 +4667,6 @@
               </a:rPr>
               <a:t>La </a:t>
             </a:r>
-            <a:pPr>
-              <a:lnSpc>
-                <a:spcPct val="140000"/>
-              </a:lnSpc>
-            </a:pPr>
             <a:r>
               <a:rPr lang="en-US" sz="1200" b="1" dirty="0">
                 <a:solidFill>
@@ -4907,11 +4678,6 @@
               </a:rPr>
               <a:t>IA no reemplaza al desarrollador web</a:t>
             </a:r>
-            <a:pPr>
-              <a:lnSpc>
-                <a:spcPct val="140000"/>
-              </a:lnSpc>
-            </a:pPr>
             <a:r>
               <a:rPr lang="en-US" sz="1200" dirty="0">
                 <a:solidFill>
@@ -5049,11 +4815,6 @@
               </a:rPr>
               <a:t>La </a:t>
             </a:r>
-            <a:pPr>
-              <a:lnSpc>
-                <a:spcPct val="140000"/>
-              </a:lnSpc>
-            </a:pPr>
             <a:r>
               <a:rPr lang="en-US" sz="1200" b="1" dirty="0">
                 <a:solidFill>
@@ -5065,11 +4826,6 @@
               </a:rPr>
               <a:t>IA en el navegador</a:t>
             </a:r>
-            <a:pPr>
-              <a:lnSpc>
-                <a:spcPct val="140000"/>
-              </a:lnSpc>
-            </a:pPr>
             <a:r>
               <a:rPr lang="en-US" sz="1200" dirty="0">
                 <a:solidFill>
@@ -5207,11 +4963,6 @@
               </a:rPr>
               <a:t>Educación, salud y entretenimiento serán los sectores </a:t>
             </a:r>
-            <a:pPr>
-              <a:lnSpc>
-                <a:spcPct val="140000"/>
-              </a:lnSpc>
-            </a:pPr>
             <a:r>
               <a:rPr lang="en-US" sz="1200" b="1" dirty="0">
                 <a:solidFill>
@@ -5223,11 +4974,6 @@
               </a:rPr>
               <a:t>más transformados</a:t>
             </a:r>
-            <a:pPr>
-              <a:lnSpc>
-                <a:spcPct val="140000"/>
-              </a:lnSpc>
-            </a:pPr>
             <a:r>
               <a:rPr lang="en-US" sz="1200" dirty="0">
                 <a:solidFill>
@@ -5365,11 +5111,6 @@
               </a:rPr>
               <a:t>El futuro es una web </a:t>
             </a:r>
-            <a:pPr>
-              <a:lnSpc>
-                <a:spcPct val="140000"/>
-              </a:lnSpc>
-            </a:pPr>
             <a:r>
               <a:rPr lang="en-US" sz="1200" b="1" dirty="0">
                 <a:solidFill>
@@ -5381,11 +5122,6 @@
               </a:rPr>
               <a:t>interactiva, inteligente y adaptativa</a:t>
             </a:r>
-            <a:pPr>
-              <a:lnSpc>
-                <a:spcPct val="140000"/>
-              </a:lnSpc>
-            </a:pPr>
             <a:r>
               <a:rPr lang="en-US" sz="1200" dirty="0">
                 <a:solidFill>
@@ -5493,7 +5229,6 @@
   </p:clrMapOvr>
   <p:transition>
     <p:fade/>
-    <p:spd val="med"/>
   </p:transition>
 </p:sld>
 </file>
@@ -5506,6 +5241,7 @@
         <a:solidFill>
           <a:srgbClr val="FAF9F6"/>
         </a:solidFill>
+        <a:effectLst/>
       </p:bgPr>
     </p:bg>
     <p:spTree>
@@ -5524,17 +5260,17 @@
       </p:grpSpPr>
       <p:pic>
         <p:nvPicPr>
-          <p:cNvPr id="2" name="Image 0" descr="https://kimi-web-img.moonshot.cn/img/thumbs.dreamstime.com/58e7be13681709be8448754cb5facccb38ca2cd8.jpg">    </p:cNvPr>
+          <p:cNvPr id="2" name="Image 0" descr="https://kimi-web-img.moonshot.cn/img/thumbs.dreamstime.com/58e7be13681709be8448754cb5facccb38ca2cd8.jpg"/>
           <p:cNvPicPr>
             <a:picLocks noChangeAspect="1"/>
           </p:cNvPicPr>
           <p:nvPr/>
         </p:nvPicPr>
         <p:blipFill>
-          <a:blip r:embed="rId1">
+          <a:blip r:embed="rId3">
             <a:alphaModFix amt="6000"/>
           </a:blip>
-          <a:srcRect l="0" r="0" t="0" b="0"/>
+          <a:srcRect/>
           <a:stretch/>
         </p:blipFill>
         <p:spPr>
@@ -6913,7 +6649,6 @@
   </p:clrMapOvr>
   <p:transition>
     <p:fade/>
-    <p:spd val="med"/>
   </p:transition>
 </p:sld>
 </file>
@@ -6926,6 +6661,7 @@
         <a:solidFill>
           <a:srgbClr val="FAF9F6"/>
         </a:solidFill>
+        <a:effectLst/>
       </p:bgPr>
     </p:bg>
     <p:spTree>
@@ -8099,7 +7835,6 @@
   </p:clrMapOvr>
   <p:transition>
     <p:fade/>
-    <p:spd val="med"/>
   </p:transition>
 </p:sld>
 </file>
@@ -8112,6 +7847,7 @@
         <a:solidFill>
           <a:srgbClr val="FAF9F6"/>
         </a:solidFill>
+        <a:effectLst/>
       </p:bgPr>
     </p:bg>
     <p:spTree>
@@ -8130,17 +7866,17 @@
       </p:grpSpPr>
       <p:pic>
         <p:nvPicPr>
-          <p:cNvPr id="2" name="Image 0" descr="https://kimi-web-img.moonshot.cn/img/static.vecteezy.com/defe72bbb458c44e17c9f2c5a79a9a08c7c22704.jpeg">    </p:cNvPr>
+          <p:cNvPr id="2" name="Image 0" descr="https://kimi-web-img.moonshot.cn/img/static.vecteezy.com/defe72bbb458c44e17c9f2c5a79a9a08c7c22704.jpeg"/>
           <p:cNvPicPr>
             <a:picLocks noChangeAspect="1"/>
           </p:cNvPicPr>
           <p:nvPr/>
         </p:nvPicPr>
         <p:blipFill>
-          <a:blip r:embed="rId1">
+          <a:blip r:embed="rId3">
             <a:alphaModFix amt="5000"/>
           </a:blip>
-          <a:srcRect l="0" r="0" t="14987" b="14987"/>
+          <a:srcRect t="14987" b="14987"/>
           <a:stretch/>
         </p:blipFill>
         <p:spPr>
@@ -8226,7 +7962,7 @@
               </a:lnSpc>
             </a:pPr>
             <a:r>
-              <a:rPr lang="en-US" sz="1050" spc="315" kern="0" dirty="0">
+              <a:rPr lang="en-US" sz="1050" kern="0" spc="315" dirty="0">
                 <a:solidFill>
                   <a:srgbClr val="8B8680"/>
                 </a:solidFill>
@@ -8378,11 +8114,6 @@
               </a:rPr>
               <a:t>La Inteligencia Artificial se ha convertido en una </a:t>
             </a:r>
-            <a:pPr>
-              <a:lnSpc>
-                <a:spcPct val="140000"/>
-              </a:lnSpc>
-            </a:pPr>
             <a:r>
               <a:rPr lang="en-US" sz="1200" b="1" dirty="0">
                 <a:solidFill>
@@ -8394,11 +8125,6 @@
               </a:rPr>
               <a:t>capa transversal de la web</a:t>
             </a:r>
-            <a:pPr>
-              <a:lnSpc>
-                <a:spcPct val="140000"/>
-              </a:lnSpc>
-            </a:pPr>
             <a:r>
               <a:rPr lang="en-US" sz="1200" dirty="0">
                 <a:solidFill>
@@ -8451,11 +8177,6 @@
               </a:rPr>
               <a:t>Lo que antes eran sitios estáticos ha evolucionado hacia </a:t>
             </a:r>
-            <a:pPr>
-              <a:lnSpc>
-                <a:spcPct val="140000"/>
-              </a:lnSpc>
-            </a:pPr>
             <a:r>
               <a:rPr lang="en-US" sz="1200" b="1" dirty="0">
                 <a:solidFill>
@@ -8467,11 +8188,6 @@
               </a:rPr>
               <a:t>plataformas inteligentes</a:t>
             </a:r>
-            <a:pPr>
-              <a:lnSpc>
-                <a:spcPct val="140000"/>
-              </a:lnSpc>
-            </a:pPr>
             <a:r>
               <a:rPr lang="en-US" sz="1200" dirty="0">
                 <a:solidFill>
@@ -9266,7 +8982,6 @@
   </p:clrMapOvr>
   <p:transition>
     <p:fade/>
-    <p:spd val="med"/>
   </p:transition>
 </p:sld>
 </file>
@@ -9279,6 +8994,7 @@
         <a:solidFill>
           <a:srgbClr val="FAF9F6"/>
         </a:solidFill>
+        <a:effectLst/>
       </p:bgPr>
     </p:bg>
     <p:spTree>
@@ -9366,7 +9082,7 @@
               </a:lnSpc>
             </a:pPr>
             <a:r>
-              <a:rPr lang="en-US" sz="1050" spc="315" kern="0" dirty="0">
+              <a:rPr lang="en-US" sz="1050" kern="0" spc="315" dirty="0">
                 <a:solidFill>
                   <a:srgbClr val="8B8680"/>
                 </a:solidFill>
@@ -9518,11 +9234,6 @@
               </a:rPr>
               <a:t>TensorFlow.js</a:t>
             </a:r>
-            <a:pPr>
-              <a:lnSpc>
-                <a:spcPct val="140000"/>
-              </a:lnSpc>
-            </a:pPr>
             <a:r>
               <a:rPr lang="en-US" sz="1350" dirty="0">
                 <a:solidFill>
@@ -9534,11 +9245,6 @@
               </a:rPr>
               <a:t> es la versión de TensorFlow diseñada para </a:t>
             </a:r>
-            <a:pPr>
-              <a:lnSpc>
-                <a:spcPct val="140000"/>
-              </a:lnSpc>
-            </a:pPr>
             <a:r>
               <a:rPr lang="en-US" sz="1350" b="1" dirty="0">
                 <a:solidFill>
@@ -9550,11 +9256,6 @@
               </a:rPr>
               <a:t>JavaScript</a:t>
             </a:r>
-            <a:pPr>
-              <a:lnSpc>
-                <a:spcPct val="140000"/>
-              </a:lnSpc>
-            </a:pPr>
             <a:r>
               <a:rPr lang="en-US" sz="1350" dirty="0">
                 <a:solidFill>
@@ -9566,11 +9267,6 @@
               </a:rPr>
               <a:t> , que permite </a:t>
             </a:r>
-            <a:pPr>
-              <a:lnSpc>
-                <a:spcPct val="140000"/>
-              </a:lnSpc>
-            </a:pPr>
             <a:r>
               <a:rPr lang="en-US" sz="1350" b="1" dirty="0">
                 <a:solidFill>
@@ -9582,11 +9278,6 @@
               </a:rPr>
               <a:t>definir, entrenar y ejecutar modelos directamente en el navegador o en Node.js</a:t>
             </a:r>
-            <a:pPr>
-              <a:lnSpc>
-                <a:spcPct val="140000"/>
-              </a:lnSpc>
-            </a:pPr>
             <a:r>
               <a:rPr lang="en-US" sz="1350" dirty="0">
                 <a:solidFill>
@@ -9639,11 +9330,6 @@
               </a:rPr>
               <a:t>Su propósito es llevar la inteligencia artificial al </a:t>
             </a:r>
-            <a:pPr>
-              <a:lnSpc>
-                <a:spcPct val="140000"/>
-              </a:lnSpc>
-            </a:pPr>
             <a:r>
               <a:rPr lang="en-US" sz="1350" b="1" dirty="0">
                 <a:solidFill>
@@ -9655,11 +9341,6 @@
               </a:rPr>
               <a:t>frontend</a:t>
             </a:r>
-            <a:pPr>
-              <a:lnSpc>
-                <a:spcPct val="140000"/>
-              </a:lnSpc>
-            </a:pPr>
             <a:r>
               <a:rPr lang="en-US" sz="1350" dirty="0">
                 <a:solidFill>
@@ -10377,11 +10058,6 @@
               </a:rPr>
               <a:t>Lenguaje:</a:t>
             </a:r>
-            <a:pPr>
-              <a:lnSpc>
-                <a:spcPct val="130000"/>
-              </a:lnSpc>
-            </a:pPr>
             <a:r>
               <a:rPr lang="en-US" sz="1200" dirty="0">
                 <a:solidFill>
@@ -10434,11 +10110,6 @@
               </a:rPr>
               <a:t>Entorno:</a:t>
             </a:r>
-            <a:pPr>
-              <a:lnSpc>
-                <a:spcPct val="130000"/>
-              </a:lnSpc>
-            </a:pPr>
             <a:r>
               <a:rPr lang="en-US" sz="1200" dirty="0">
                 <a:solidFill>
@@ -10491,11 +10162,6 @@
               </a:rPr>
               <a:t>Enfoque:</a:t>
             </a:r>
-            <a:pPr>
-              <a:lnSpc>
-                <a:spcPct val="130000"/>
-              </a:lnSpc>
-            </a:pPr>
             <a:r>
               <a:rPr lang="en-US" sz="1200" dirty="0">
                 <a:solidFill>
@@ -10548,11 +10214,6 @@
               </a:rPr>
               <a:t>Hardware:</a:t>
             </a:r>
-            <a:pPr>
-              <a:lnSpc>
-                <a:spcPct val="130000"/>
-              </a:lnSpc>
-            </a:pPr>
             <a:r>
               <a:rPr lang="en-US" sz="1200" dirty="0">
                 <a:solidFill>
@@ -10913,11 +10574,6 @@
               </a:rPr>
               <a:t>Lenguaje:</a:t>
             </a:r>
-            <a:pPr>
-              <a:lnSpc>
-                <a:spcPct val="130000"/>
-              </a:lnSpc>
-            </a:pPr>
             <a:r>
               <a:rPr lang="en-US" sz="1200" dirty="0">
                 <a:solidFill>
@@ -10970,11 +10626,6 @@
               </a:rPr>
               <a:t>Entorno:</a:t>
             </a:r>
-            <a:pPr>
-              <a:lnSpc>
-                <a:spcPct val="130000"/>
-              </a:lnSpc>
-            </a:pPr>
             <a:r>
               <a:rPr lang="en-US" sz="1200" dirty="0">
                 <a:solidFill>
@@ -11027,11 +10678,6 @@
               </a:rPr>
               <a:t>Enfoque:</a:t>
             </a:r>
-            <a:pPr>
-              <a:lnSpc>
-                <a:spcPct val="130000"/>
-              </a:lnSpc>
-            </a:pPr>
             <a:r>
               <a:rPr lang="en-US" sz="1200" dirty="0">
                 <a:solidFill>
@@ -11084,11 +10730,6 @@
               </a:rPr>
               <a:t>Hardware:</a:t>
             </a:r>
-            <a:pPr>
-              <a:lnSpc>
-                <a:spcPct val="130000"/>
-              </a:lnSpc>
-            </a:pPr>
             <a:r>
               <a:rPr lang="en-US" sz="1200" dirty="0">
                 <a:solidFill>
@@ -11187,11 +10828,6 @@
               </a:rPr>
               <a:t>Mismo fundamento matemático</a:t>
             </a:r>
-            <a:pPr algn="ctr">
-              <a:lnSpc>
-                <a:spcPct val="130000"/>
-              </a:lnSpc>
-            </a:pPr>
             <a:r>
               <a:rPr lang="en-US" sz="1200" dirty="0">
                 <a:solidFill>
@@ -11214,7 +10850,6 @@
   </p:clrMapOvr>
   <p:transition>
     <p:fade/>
-    <p:spd val="med"/>
   </p:transition>
 </p:sld>
 </file>
@@ -11227,6 +10862,7 @@
         <a:solidFill>
           <a:srgbClr val="FAF9F6"/>
         </a:solidFill>
+        <a:effectLst/>
       </p:bgPr>
     </p:bg>
     <p:spTree>
@@ -11245,17 +10881,17 @@
       </p:grpSpPr>
       <p:pic>
         <p:nvPicPr>
-          <p:cNvPr id="2" name="Image 0" descr="https://kimi-web-img.moonshot.cn/img/images.squarespace-cdn.com/e18d0552eeab55542e71d580ace2fd9321a2ff2e.jpg">    </p:cNvPr>
+          <p:cNvPr id="2" name="Image 0" descr="https://kimi-web-img.moonshot.cn/img/images.squarespace-cdn.com/e18d0552eeab55542e71d580ace2fd9321a2ff2e.jpg"/>
           <p:cNvPicPr>
             <a:picLocks noChangeAspect="1"/>
           </p:cNvPicPr>
           <p:nvPr/>
         </p:nvPicPr>
         <p:blipFill>
-          <a:blip r:embed="rId1">
+          <a:blip r:embed="rId3">
             <a:alphaModFix amt="5000"/>
           </a:blip>
-          <a:srcRect l="2770" r="2770" t="0" b="0"/>
+          <a:srcRect l="2770" r="2770"/>
           <a:stretch/>
         </p:blipFill>
         <p:spPr>
@@ -11341,7 +10977,7 @@
               </a:lnSpc>
             </a:pPr>
             <a:r>
-              <a:rPr lang="en-US" sz="1050" spc="315" kern="0" dirty="0">
+              <a:rPr lang="en-US" sz="1050" kern="0" spc="315" dirty="0">
                 <a:solidFill>
                   <a:srgbClr val="8B8680"/>
                 </a:solidFill>
@@ -11629,11 +11265,6 @@
               </a:rPr>
               <a:t>Los datos </a:t>
             </a:r>
-            <a:pPr>
-              <a:lnSpc>
-                <a:spcPct val="140000"/>
-              </a:lnSpc>
-            </a:pPr>
             <a:r>
               <a:rPr lang="en-US" sz="1200" b="1" dirty="0">
                 <a:solidFill>
@@ -11645,11 +11276,6 @@
               </a:rPr>
               <a:t>no salen del dispositivo</a:t>
             </a:r>
-            <a:pPr>
-              <a:lnSpc>
-                <a:spcPct val="140000"/>
-              </a:lnSpc>
-            </a:pPr>
             <a:r>
               <a:rPr lang="en-US" sz="1200" dirty="0">
                 <a:solidFill>
@@ -12097,11 +11723,6 @@
               </a:rPr>
               <a:t>Respuesta inmediata</a:t>
             </a:r>
-            <a:pPr>
-              <a:lnSpc>
-                <a:spcPct val="140000"/>
-              </a:lnSpc>
-            </a:pPr>
             <a:r>
               <a:rPr lang="en-US" sz="1200" dirty="0">
                 <a:solidFill>
@@ -12549,11 +12170,6 @@
               </a:rPr>
               <a:t>El cómputo lo hace el </a:t>
             </a:r>
-            <a:pPr>
-              <a:lnSpc>
-                <a:spcPct val="140000"/>
-              </a:lnSpc>
-            </a:pPr>
             <a:r>
               <a:rPr lang="en-US" sz="1200" b="1" dirty="0">
                 <a:solidFill>
@@ -12565,11 +12181,6 @@
               </a:rPr>
               <a:t>dispositivo del usuario</a:t>
             </a:r>
-            <a:pPr>
-              <a:lnSpc>
-                <a:spcPct val="140000"/>
-              </a:lnSpc>
-            </a:pPr>
             <a:r>
               <a:rPr lang="en-US" sz="1200" dirty="0">
                 <a:solidFill>
@@ -13017,11 +12628,6 @@
               </a:rPr>
               <a:t>El modelo se descarga una vez. La app sigue funcionando </a:t>
             </a:r>
-            <a:pPr>
-              <a:lnSpc>
-                <a:spcPct val="140000"/>
-              </a:lnSpc>
-            </a:pPr>
             <a:r>
               <a:rPr lang="en-US" sz="1200" b="1" dirty="0">
                 <a:solidFill>
@@ -13033,11 +12639,6 @@
               </a:rPr>
               <a:t>sin conexión</a:t>
             </a:r>
-            <a:pPr>
-              <a:lnSpc>
-                <a:spcPct val="140000"/>
-              </a:lnSpc>
-            </a:pPr>
             <a:r>
               <a:rPr lang="en-US" sz="1200" dirty="0">
                 <a:solidFill>
@@ -13489,11 +13090,6 @@
               </a:rPr>
               <a:t>Limitaciones:</a:t>
             </a:r>
-            <a:pPr>
-              <a:lnSpc>
-                <a:spcPct val="140000"/>
-              </a:lnSpc>
-            </a:pPr>
             <a:r>
               <a:rPr lang="en-US" sz="1200" dirty="0">
                 <a:solidFill>
@@ -13516,7 +13112,6 @@
   </p:clrMapOvr>
   <p:transition>
     <p:fade/>
-    <p:spd val="med"/>
   </p:transition>
 </p:sld>
 </file>
@@ -13529,6 +13124,7 @@
         <a:solidFill>
           <a:srgbClr val="FAF9F6"/>
         </a:solidFill>
+        <a:effectLst/>
       </p:bgPr>
     </p:bg>
     <p:spTree>
@@ -13616,7 +13212,7 @@
               </a:lnSpc>
             </a:pPr>
             <a:r>
-              <a:rPr lang="en-US" sz="1050" spc="315" kern="0" dirty="0">
+              <a:rPr lang="en-US" sz="1050" kern="0" spc="315" dirty="0">
                 <a:solidFill>
                   <a:srgbClr val="8B8680"/>
                 </a:solidFill>
@@ -16652,7 +16248,6 @@
   </p:clrMapOvr>
   <p:transition>
     <p:fade/>
-    <p:spd val="med"/>
   </p:transition>
 </p:sld>
 </file>
@@ -16665,6 +16260,7 @@
         <a:solidFill>
           <a:srgbClr val="FAF9F6"/>
         </a:solidFill>
+        <a:effectLst/>
       </p:bgPr>
     </p:bg>
     <p:spTree>
@@ -16683,17 +16279,17 @@
       </p:grpSpPr>
       <p:pic>
         <p:nvPicPr>
-          <p:cNvPr id="2" name="Image 0" descr="https://kimi-web-img.moonshot.cn/img/static.vecteezy.com/d6cd8b40a91d168e0ae05a17f3a7a862b05d2423.jpg">    </p:cNvPr>
+          <p:cNvPr id="2" name="Image 0" descr="https://kimi-web-img.moonshot.cn/img/static.vecteezy.com/d6cd8b40a91d168e0ae05a17f3a7a862b05d2423.jpg"/>
           <p:cNvPicPr>
             <a:picLocks noChangeAspect="1"/>
           </p:cNvPicPr>
           <p:nvPr/>
         </p:nvPicPr>
         <p:blipFill>
-          <a:blip r:embed="rId1">
+          <a:blip r:embed="rId3">
             <a:alphaModFix amt="4000"/>
           </a:blip>
-          <a:srcRect l="29259" r="29259" t="0" b="0"/>
+          <a:srcRect l="29259" r="29259"/>
           <a:stretch/>
         </p:blipFill>
         <p:spPr>
@@ -16779,7 +16375,7 @@
               </a:lnSpc>
             </a:pPr>
             <a:r>
-              <a:rPr lang="en-US" sz="1050" spc="315" kern="0" dirty="0">
+              <a:rPr lang="en-US" sz="1050" kern="0" spc="315" dirty="0">
                 <a:solidFill>
                   <a:srgbClr val="8B8680"/>
                 </a:solidFill>
@@ -18602,11 +18198,6 @@
               </a:rPr>
               <a:t>TensorFlow.js</a:t>
             </a:r>
-            <a:pPr algn="ctr">
-              <a:lnSpc>
-                <a:spcPct val="130000"/>
-              </a:lnSpc>
-            </a:pPr>
             <a:r>
               <a:rPr lang="en-US" sz="1200" dirty="0">
                 <a:solidFill>
@@ -18629,7 +18220,6 @@
   </p:clrMapOvr>
   <p:transition>
     <p:fade/>
-    <p:spd val="med"/>
   </p:transition>
 </p:sld>
 </file>
@@ -18642,6 +18232,7 @@
         <a:solidFill>
           <a:srgbClr val="FAF9F6"/>
         </a:solidFill>
+        <a:effectLst/>
       </p:bgPr>
     </p:bg>
     <p:spTree>
@@ -18729,7 +18320,7 @@
               </a:lnSpc>
             </a:pPr>
             <a:r>
-              <a:rPr lang="en-US" sz="1050" spc="315" kern="0" dirty="0">
+              <a:rPr lang="en-US" sz="1050" kern="0" spc="315" dirty="0">
                 <a:solidFill>
                   <a:srgbClr val="8B8680"/>
                 </a:solidFill>
@@ -21107,11 +20698,6 @@
               </a:rPr>
               <a:t>Todo ejecutado en el cliente</a:t>
             </a:r>
-            <a:pPr algn="ctr">
-              <a:lnSpc>
-                <a:spcPct val="130000"/>
-              </a:lnSpc>
-            </a:pPr>
             <a:r>
               <a:rPr lang="en-US" sz="1200" dirty="0">
                 <a:solidFill>
@@ -21134,7 +20720,6 @@
   </p:clrMapOvr>
   <p:transition>
     <p:fade/>
-    <p:spd val="med"/>
   </p:transition>
 </p:sld>
 </file>
@@ -21147,6 +20732,7 @@
         <a:solidFill>
           <a:srgbClr val="FAF9F6"/>
         </a:solidFill>
+        <a:effectLst/>
       </p:bgPr>
     </p:bg>
     <p:spTree>
@@ -21165,17 +20751,17 @@
       </p:grpSpPr>
       <p:pic>
         <p:nvPicPr>
-          <p:cNvPr id="2" name="Image 0" descr="https://kimi-web-img.moonshot.cn/img/www.manuelametra.com/220dd6d1b89ec278c8e72ae818557c502dfda6dd.jpg">    </p:cNvPr>
+          <p:cNvPr id="2" name="Image 0" descr="https://kimi-web-img.moonshot.cn/img/www.manuelametra.com/220dd6d1b89ec278c8e72ae818557c502dfda6dd.jpg"/>
           <p:cNvPicPr>
             <a:picLocks noChangeAspect="1"/>
           </p:cNvPicPr>
           <p:nvPr/>
         </p:nvPicPr>
         <p:blipFill>
-          <a:blip r:embed="rId1">
+          <a:blip r:embed="rId3">
             <a:alphaModFix amt="4000"/>
           </a:blip>
-          <a:srcRect l="0" r="0" t="41563" b="41563"/>
+          <a:srcRect t="41563" b="41563"/>
           <a:stretch/>
         </p:blipFill>
         <p:spPr>
@@ -21261,7 +20847,7 @@
               </a:lnSpc>
             </a:pPr>
             <a:r>
-              <a:rPr lang="en-US" sz="1050" spc="315" kern="0" dirty="0">
+              <a:rPr lang="en-US" sz="1050" kern="0" spc="315" dirty="0">
                 <a:solidFill>
                   <a:srgbClr val="8B8680"/>
                 </a:solidFill>
@@ -23395,11 +22981,6 @@
               </a:rPr>
               <a:t>Conclusión:</a:t>
             </a:r>
-            <a:pPr>
-              <a:lnSpc>
-                <a:spcPct val="140000"/>
-              </a:lnSpc>
-            </a:pPr>
             <a:r>
               <a:rPr lang="en-US" sz="1200" dirty="0">
                 <a:solidFill>
@@ -23422,7 +23003,6 @@
   </p:clrMapOvr>
   <p:transition>
     <p:fade/>
-    <p:spd val="med"/>
   </p:transition>
 </p:sld>
 </file>
@@ -23435,31 +23015,326 @@
         <a:srgbClr val="000000"/>
       </a:dk1>
       <a:lt1>
-        <a:srgbClr val="ffffff"/>
+        <a:srgbClr val="FFFFFF"/>
       </a:lt1>
       <a:dk2>
         <a:srgbClr val="333333"/>
       </a:dk2>
       <a:lt2>
-        <a:srgbClr val="eeeeee"/>
+        <a:srgbClr val="EEEEEE"/>
       </a:lt2>
       <a:accent1>
-        <a:srgbClr val="8daac2"/>
+        <a:srgbClr val="8DAAC2"/>
       </a:accent1>
       <a:accent2>
-        <a:srgbClr val="ed7d31"/>
+        <a:srgbClr val="ED7D31"/>
       </a:accent2>
       <a:accent3>
-        <a:srgbClr val="a5a5a5"/>
+        <a:srgbClr val="A5A5A5"/>
       </a:accent3>
       <a:accent4>
-        <a:srgbClr val="ffc000"/>
+        <a:srgbClr val="FFC000"/>
       </a:accent4>
       <a:accent5>
-        <a:srgbClr val="4472c4"/>
+        <a:srgbClr val="4472C4"/>
       </a:accent5>
       <a:accent6>
-        <a:srgbClr val="70ad47"/>
+        <a:srgbClr val="70AD47"/>
+      </a:accent6>
+      <a:hlink>
+        <a:srgbClr val="0563C1"/>
+      </a:hlink>
+      <a:folHlink>
+        <a:srgbClr val="954F72"/>
+      </a:folHlink>
+    </a:clrScheme>
+    <a:fontScheme name="Office">
+      <a:majorFont>
+        <a:latin typeface="Calibri Light" panose="020F0302020204030204"/>
+        <a:ea typeface=""/>
+        <a:cs typeface=""/>
+        <a:font script="Jpan" typeface="游ゴシック Light"/>
+        <a:font script="Hang" typeface="맑은 고딕"/>
+        <a:font script="Hans" typeface="等线 Light"/>
+        <a:font script="Hant" typeface="新細明體"/>
+        <a:font script="Arab" typeface="Times New Roman"/>
+        <a:font script="Hebr" typeface="Times New Roman"/>
+        <a:font script="Thai" typeface="Angsana New"/>
+        <a:font script="Ethi" typeface="Nyala"/>
+        <a:font script="Beng" typeface="Vrinda"/>
+        <a:font script="Gujr" typeface="Shruti"/>
+        <a:font script="Khmr" typeface="MoolBoran"/>
+        <a:font script="Knda" typeface="Tunga"/>
+        <a:font script="Guru" typeface="Raavi"/>
+        <a:font script="Cans" typeface="Euphemia"/>
+        <a:font script="Cher" typeface="Plantagenet Cherokee"/>
+        <a:font script="Yiii" typeface="Microsoft Yi Baiti"/>
+        <a:font script="Tibt" typeface="Microsoft Himalaya"/>
+        <a:font script="Thaa" typeface="MV Boli"/>
+        <a:font script="Deva" typeface="Mangal"/>
+        <a:font script="Telu" typeface="Gautami"/>
+        <a:font script="Taml" typeface="Latha"/>
+        <a:font script="Syrc" typeface="Estrangelo Edessa"/>
+        <a:font script="Orya" typeface="Kalinga"/>
+        <a:font script="Mlym" typeface="Kartika"/>
+        <a:font script="Laoo" typeface="DokChampa"/>
+        <a:font script="Sinh" typeface="Iskoola Pota"/>
+        <a:font script="Mong" typeface="Mongolian Baiti"/>
+        <a:font script="Viet" typeface="Times New Roman"/>
+        <a:font script="Uigh" typeface="Microsoft Uighur"/>
+        <a:font script="Geor" typeface="Sylfaen"/>
+        <a:font script="Armn" typeface="Arial"/>
+        <a:font script="Bugi" typeface="Leelawadee UI"/>
+        <a:font script="Bopo" typeface="Microsoft JhengHei"/>
+        <a:font script="Java" typeface="Javanese Text"/>
+        <a:font script="Lisu" typeface="Segoe UI"/>
+        <a:font script="Mymr" typeface="Myanmar Text"/>
+        <a:font script="Nkoo" typeface="Ebrima"/>
+        <a:font script="Olck" typeface="Nirmala UI"/>
+        <a:font script="Osma" typeface="Ebrima"/>
+        <a:font script="Phag" typeface="Phagspa"/>
+        <a:font script="Syrn" typeface="Estrangelo Edessa"/>
+        <a:font script="Syrj" typeface="Estrangelo Edessa"/>
+        <a:font script="Syre" typeface="Estrangelo Edessa"/>
+        <a:font script="Sora" typeface="Nirmala UI"/>
+        <a:font script="Tale" typeface="Microsoft Tai Le"/>
+        <a:font script="Talu" typeface="Microsoft New Tai Lue"/>
+        <a:font script="Tfng" typeface="Ebrima"/>
+      </a:majorFont>
+      <a:minorFont>
+        <a:latin typeface="Calibri" panose="020F0502020204030204"/>
+        <a:ea typeface=""/>
+        <a:cs typeface=""/>
+        <a:font script="Jpan" typeface="游ゴシック"/>
+        <a:font script="Hang" typeface="맑은 고딕"/>
+        <a:font script="Hans" typeface="等线"/>
+        <a:font script="Hant" typeface="新細明體"/>
+        <a:font script="Arab" typeface="Arial"/>
+        <a:font script="Hebr" typeface="Arial"/>
+        <a:font script="Thai" typeface="Cordia New"/>
+        <a:font script="Ethi" typeface="Nyala"/>
+        <a:font script="Beng" typeface="Vrinda"/>
+        <a:font script="Gujr" typeface="Shruti"/>
+        <a:font script="Khmr" typeface="DaunPenh"/>
+        <a:font script="Knda" typeface="Tunga"/>
+        <a:font script="Guru" typeface="Raavi"/>
+        <a:font script="Cans" typeface="Euphemia"/>
+        <a:font script="Cher" typeface="Plantagenet Cherokee"/>
+        <a:font script="Yiii" typeface="Microsoft Yi Baiti"/>
+        <a:font script="Tibt" typeface="Microsoft Himalaya"/>
+        <a:font script="Thaa" typeface="MV Boli"/>
+        <a:font script="Deva" typeface="Mangal"/>
+        <a:font script="Telu" typeface="Gautami"/>
+        <a:font script="Taml" typeface="Latha"/>
+        <a:font script="Syrc" typeface="Estrangelo Edessa"/>
+        <a:font script="Orya" typeface="Kalinga"/>
+        <a:font script="Mlym" typeface="Kartika"/>
+        <a:font script="Laoo" typeface="DokChampa"/>
+        <a:font script="Sinh" typeface="Iskoola Pota"/>
+        <a:font script="Mong" typeface="Mongolian Baiti"/>
+        <a:font script="Viet" typeface="Arial"/>
+        <a:font script="Uigh" typeface="Microsoft Uighur"/>
+        <a:font script="Geor" typeface="Sylfaen"/>
+        <a:font script="Armn" typeface="Arial"/>
+        <a:font script="Bugi" typeface="Leelawadee UI"/>
+        <a:font script="Bopo" typeface="Microsoft JhengHei"/>
+        <a:font script="Java" typeface="Javanese Text"/>
+        <a:font script="Lisu" typeface="Segoe UI"/>
+        <a:font script="Mymr" typeface="Myanmar Text"/>
+        <a:font script="Nkoo" typeface="Ebrima"/>
+        <a:font script="Olck" typeface="Nirmala UI"/>
+        <a:font script="Osma" typeface="Ebrima"/>
+        <a:font script="Phag" typeface="Phagspa"/>
+        <a:font script="Syrn" typeface="Estrangelo Edessa"/>
+        <a:font script="Syrj" typeface="Estrangelo Edessa"/>
+        <a:font script="Syre" typeface="Estrangelo Edessa"/>
+        <a:font script="Sora" typeface="Nirmala UI"/>
+        <a:font script="Tale" typeface="Microsoft Tai Le"/>
+        <a:font script="Talu" typeface="Microsoft New Tai Lue"/>
+        <a:font script="Tfng" typeface="Ebrima"/>
+      </a:minorFont>
+    </a:fontScheme>
+    <a:fmtScheme name="Office">
+      <a:fillStyleLst>
+        <a:solidFill>
+          <a:schemeClr val="phClr"/>
+        </a:solidFill>
+        <a:gradFill rotWithShape="1">
+          <a:gsLst>
+            <a:gs pos="0">
+              <a:schemeClr val="phClr">
+                <a:lumMod val="110000"/>
+                <a:satMod val="105000"/>
+                <a:tint val="67000"/>
+              </a:schemeClr>
+            </a:gs>
+            <a:gs pos="50000">
+              <a:schemeClr val="phClr">
+                <a:lumMod val="105000"/>
+                <a:satMod val="103000"/>
+                <a:tint val="73000"/>
+              </a:schemeClr>
+            </a:gs>
+            <a:gs pos="100000">
+              <a:schemeClr val="phClr">
+                <a:lumMod val="105000"/>
+                <a:satMod val="109000"/>
+                <a:tint val="81000"/>
+              </a:schemeClr>
+            </a:gs>
+          </a:gsLst>
+          <a:lin ang="5400000" scaled="0"/>
+        </a:gradFill>
+        <a:gradFill rotWithShape="1">
+          <a:gsLst>
+            <a:gs pos="0">
+              <a:schemeClr val="phClr">
+                <a:satMod val="103000"/>
+                <a:lumMod val="102000"/>
+                <a:tint val="94000"/>
+              </a:schemeClr>
+            </a:gs>
+            <a:gs pos="50000">
+              <a:schemeClr val="phClr">
+                <a:satMod val="110000"/>
+                <a:lumMod val="100000"/>
+                <a:shade val="100000"/>
+              </a:schemeClr>
+            </a:gs>
+            <a:gs pos="100000">
+              <a:schemeClr val="phClr">
+                <a:lumMod val="99000"/>
+                <a:satMod val="120000"/>
+                <a:shade val="78000"/>
+              </a:schemeClr>
+            </a:gs>
+          </a:gsLst>
+          <a:lin ang="5400000" scaled="0"/>
+        </a:gradFill>
+      </a:fillStyleLst>
+      <a:lnStyleLst>
+        <a:ln w="6350" cap="flat" cmpd="sng" algn="ctr">
+          <a:solidFill>
+            <a:schemeClr val="phClr"/>
+          </a:solidFill>
+          <a:prstDash val="solid"/>
+          <a:miter lim="800000"/>
+        </a:ln>
+        <a:ln w="12700" cap="flat" cmpd="sng" algn="ctr">
+          <a:solidFill>
+            <a:schemeClr val="phClr"/>
+          </a:solidFill>
+          <a:prstDash val="solid"/>
+          <a:miter lim="800000"/>
+        </a:ln>
+        <a:ln w="19050" cap="flat" cmpd="sng" algn="ctr">
+          <a:solidFill>
+            <a:schemeClr val="phClr"/>
+          </a:solidFill>
+          <a:prstDash val="solid"/>
+          <a:miter lim="800000"/>
+        </a:ln>
+      </a:lnStyleLst>
+      <a:effectStyleLst>
+        <a:effectStyle>
+          <a:effectLst/>
+        </a:effectStyle>
+        <a:effectStyle>
+          <a:effectLst/>
+        </a:effectStyle>
+        <a:effectStyle>
+          <a:effectLst>
+            <a:outerShdw blurRad="57150" dist="19050" dir="5400000" algn="ctr" rotWithShape="0">
+              <a:srgbClr val="000000">
+                <a:alpha val="63000"/>
+              </a:srgbClr>
+            </a:outerShdw>
+          </a:effectLst>
+        </a:effectStyle>
+      </a:effectStyleLst>
+      <a:bgFillStyleLst>
+        <a:solidFill>
+          <a:schemeClr val="phClr"/>
+        </a:solidFill>
+        <a:solidFill>
+          <a:schemeClr val="phClr">
+            <a:tint val="95000"/>
+            <a:satMod val="170000"/>
+          </a:schemeClr>
+        </a:solidFill>
+        <a:gradFill rotWithShape="1">
+          <a:gsLst>
+            <a:gs pos="0">
+              <a:schemeClr val="phClr">
+                <a:tint val="93000"/>
+                <a:satMod val="150000"/>
+                <a:shade val="98000"/>
+                <a:lumMod val="102000"/>
+              </a:schemeClr>
+            </a:gs>
+            <a:gs pos="50000">
+              <a:schemeClr val="phClr">
+                <a:tint val="98000"/>
+                <a:satMod val="130000"/>
+                <a:shade val="90000"/>
+                <a:lumMod val="103000"/>
+              </a:schemeClr>
+            </a:gs>
+            <a:gs pos="100000">
+              <a:schemeClr val="phClr">
+                <a:shade val="63000"/>
+                <a:satMod val="120000"/>
+              </a:schemeClr>
+            </a:gs>
+          </a:gsLst>
+          <a:lin ang="5400000" scaled="0"/>
+        </a:gradFill>
+      </a:bgFillStyleLst>
+    </a:fmtScheme>
+  </a:themeElements>
+  <a:objectDefaults/>
+  <a:extraClrSchemeLst/>
+  <a:extLst>
+    <a:ext uri="{05A4C25C-085E-4340-85A3-A5531E510DB2}">
+      <thm15:themeFamily xmlns:thm15="http://schemas.microsoft.com/office/thememl/2012/main" name="Office Theme" id="{62F939B6-93AF-4DB8-9C6B-D6C7DFDC589F}" vid="{4A3C46E8-61CC-4603-A589-7422A47A8E4A}"/>
+    </a:ext>
+  </a:extLst>
+</a:theme>
+</file>
+
+<file path=ppt/theme/theme2.xml><?xml version="1.0" encoding="utf-8"?>
+<a:theme xmlns:a="http://schemas.openxmlformats.org/drawingml/2006/main" name="Tema de Office">
+  <a:themeElements>
+    <a:clrScheme name="Office">
+      <a:dk1>
+        <a:sysClr val="windowText" lastClr="000000"/>
+      </a:dk1>
+      <a:lt1>
+        <a:sysClr val="window" lastClr="FFFFFF"/>
+      </a:lt1>
+      <a:dk2>
+        <a:srgbClr val="44546A"/>
+      </a:dk2>
+      <a:lt2>
+        <a:srgbClr val="E7E6E6"/>
+      </a:lt2>
+      <a:accent1>
+        <a:srgbClr val="4472C4"/>
+      </a:accent1>
+      <a:accent2>
+        <a:srgbClr val="ED7D31"/>
+      </a:accent2>
+      <a:accent3>
+        <a:srgbClr val="A5A5A5"/>
+      </a:accent3>
+      <a:accent4>
+        <a:srgbClr val="FFC000"/>
+      </a:accent4>
+      <a:accent5>
+        <a:srgbClr val="5B9BD5"/>
+      </a:accent5>
+      <a:accent6>
+        <a:srgbClr val="70AD47"/>
       </a:accent6>
       <a:hlink>
         <a:srgbClr val="0563C1"/>
